--- a/mqtt_client.pptx
+++ b/mqtt_client.pptx
@@ -20,6 +20,8 @@
     <p:sldId id="268" r:id="rId14"/>
     <p:sldId id="265" r:id="rId15"/>
     <p:sldId id="266" r:id="rId16"/>
+    <p:sldId id="271" r:id="rId17"/>
+    <p:sldId id="272" r:id="rId18"/>
   </p:sldIdLst>
   <p:sldSz cx="12192000" cy="6858000"/>
   <p:notesSz cx="6858000" cy="9144000"/>
@@ -118,6 +120,11 @@
       </a:defRPr>
     </a:lvl9pPr>
   </p:defaultTextStyle>
+  <p:extLst>
+    <p:ext uri="{EFAFB233-063F-42B5-8137-9DF3F51BA10A}">
+      <p15:sldGuideLst xmlns:p15="http://schemas.microsoft.com/office/powerpoint/2012/main"/>
+    </p:ext>
+  </p:extLst>
 </p:presentation>
 </file>
 
@@ -268,7 +275,7 @@
           <a:p>
             <a:fld id="{0227DE94-5DCE-4D98-960C-F9A46B7073C8}" type="datetimeFigureOut">
               <a:rPr lang="en-US" smtClean="0"/>
-              <a:t>10/9/2024</a:t>
+              <a:t>10/14/2024</a:t>
             </a:fld>
             <a:endParaRPr lang="en-US"/>
           </a:p>
@@ -466,7 +473,7 @@
           <a:p>
             <a:fld id="{0227DE94-5DCE-4D98-960C-F9A46B7073C8}" type="datetimeFigureOut">
               <a:rPr lang="en-US" smtClean="0"/>
-              <a:t>10/9/2024</a:t>
+              <a:t>10/14/2024</a:t>
             </a:fld>
             <a:endParaRPr lang="en-US"/>
           </a:p>
@@ -674,7 +681,7 @@
           <a:p>
             <a:fld id="{0227DE94-5DCE-4D98-960C-F9A46B7073C8}" type="datetimeFigureOut">
               <a:rPr lang="en-US" smtClean="0"/>
-              <a:t>10/9/2024</a:t>
+              <a:t>10/14/2024</a:t>
             </a:fld>
             <a:endParaRPr lang="en-US"/>
           </a:p>
@@ -872,7 +879,7 @@
           <a:p>
             <a:fld id="{0227DE94-5DCE-4D98-960C-F9A46B7073C8}" type="datetimeFigureOut">
               <a:rPr lang="en-US" smtClean="0"/>
-              <a:t>10/9/2024</a:t>
+              <a:t>10/14/2024</a:t>
             </a:fld>
             <a:endParaRPr lang="en-US"/>
           </a:p>
@@ -1147,7 +1154,7 @@
           <a:p>
             <a:fld id="{0227DE94-5DCE-4D98-960C-F9A46B7073C8}" type="datetimeFigureOut">
               <a:rPr lang="en-US" smtClean="0"/>
-              <a:t>10/9/2024</a:t>
+              <a:t>10/14/2024</a:t>
             </a:fld>
             <a:endParaRPr lang="en-US"/>
           </a:p>
@@ -1412,7 +1419,7 @@
           <a:p>
             <a:fld id="{0227DE94-5DCE-4D98-960C-F9A46B7073C8}" type="datetimeFigureOut">
               <a:rPr lang="en-US" smtClean="0"/>
-              <a:t>10/9/2024</a:t>
+              <a:t>10/14/2024</a:t>
             </a:fld>
             <a:endParaRPr lang="en-US"/>
           </a:p>
@@ -1824,7 +1831,7 @@
           <a:p>
             <a:fld id="{0227DE94-5DCE-4D98-960C-F9A46B7073C8}" type="datetimeFigureOut">
               <a:rPr lang="en-US" smtClean="0"/>
-              <a:t>10/9/2024</a:t>
+              <a:t>10/14/2024</a:t>
             </a:fld>
             <a:endParaRPr lang="en-US"/>
           </a:p>
@@ -1965,7 +1972,7 @@
           <a:p>
             <a:fld id="{0227DE94-5DCE-4D98-960C-F9A46B7073C8}" type="datetimeFigureOut">
               <a:rPr lang="en-US" smtClean="0"/>
-              <a:t>10/9/2024</a:t>
+              <a:t>10/14/2024</a:t>
             </a:fld>
             <a:endParaRPr lang="en-US"/>
           </a:p>
@@ -2078,7 +2085,7 @@
           <a:p>
             <a:fld id="{0227DE94-5DCE-4D98-960C-F9A46B7073C8}" type="datetimeFigureOut">
               <a:rPr lang="en-US" smtClean="0"/>
-              <a:t>10/9/2024</a:t>
+              <a:t>10/14/2024</a:t>
             </a:fld>
             <a:endParaRPr lang="en-US"/>
           </a:p>
@@ -2389,7 +2396,7 @@
           <a:p>
             <a:fld id="{0227DE94-5DCE-4D98-960C-F9A46B7073C8}" type="datetimeFigureOut">
               <a:rPr lang="en-US" smtClean="0"/>
-              <a:t>10/9/2024</a:t>
+              <a:t>10/14/2024</a:t>
             </a:fld>
             <a:endParaRPr lang="en-US"/>
           </a:p>
@@ -2677,7 +2684,7 @@
           <a:p>
             <a:fld id="{0227DE94-5DCE-4D98-960C-F9A46B7073C8}" type="datetimeFigureOut">
               <a:rPr lang="en-US" smtClean="0"/>
-              <a:t>10/9/2024</a:t>
+              <a:t>10/14/2024</a:t>
             </a:fld>
             <a:endParaRPr lang="en-US"/>
           </a:p>
@@ -2918,7 +2925,7 @@
           <a:p>
             <a:fld id="{0227DE94-5DCE-4D98-960C-F9A46B7073C8}" type="datetimeFigureOut">
               <a:rPr lang="en-US" smtClean="0"/>
-              <a:t>10/9/2024</a:t>
+              <a:t>10/14/2024</a:t>
             </a:fld>
             <a:endParaRPr lang="en-US"/>
           </a:p>
@@ -3872,6 +3879,156 @@
     <p:extLst>
       <p:ext uri="{BB962C8B-B14F-4D97-AF65-F5344CB8AC3E}">
         <p14:creationId xmlns:p14="http://schemas.microsoft.com/office/powerpoint/2010/main" val="3889293294"/>
+      </p:ext>
+    </p:extLst>
+  </p:cSld>
+  <p:clrMapOvr>
+    <a:masterClrMapping/>
+  </p:clrMapOvr>
+</p:sld>
+</file>
+
+<file path=ppt/slides/slide16.xml><?xml version="1.0" encoding="utf-8"?>
+<p:sld xmlns:a="http://schemas.openxmlformats.org/drawingml/2006/main" xmlns:r="http://schemas.openxmlformats.org/officeDocument/2006/relationships" xmlns:p="http://schemas.openxmlformats.org/presentationml/2006/main">
+  <p:cSld>
+    <p:spTree>
+      <p:nvGrpSpPr>
+        <p:cNvPr id="1" name=""/>
+        <p:cNvGrpSpPr/>
+        <p:nvPr/>
+      </p:nvGrpSpPr>
+      <p:grpSpPr>
+        <a:xfrm>
+          <a:off x="0" y="0"/>
+          <a:ext cx="0" cy="0"/>
+          <a:chOff x="0" y="0"/>
+          <a:chExt cx="0" cy="0"/>
+        </a:xfrm>
+      </p:grpSpPr>
+      <p:pic>
+        <p:nvPicPr>
+          <p:cNvPr id="5" name="Picture 4">
+            <a:extLst>
+              <a:ext uri="{FF2B5EF4-FFF2-40B4-BE49-F238E27FC236}">
+                <a16:creationId xmlns:a16="http://schemas.microsoft.com/office/drawing/2014/main" id="{E86ABE17-DCFF-4910-A7DF-AEA1AE79899F}"/>
+              </a:ext>
+            </a:extLst>
+          </p:cNvPr>
+          <p:cNvPicPr>
+            <a:picLocks noChangeAspect="1"/>
+          </p:cNvPicPr>
+          <p:nvPr/>
+        </p:nvPicPr>
+        <p:blipFill>
+          <a:blip r:embed="rId2"/>
+          <a:stretch>
+            <a:fillRect/>
+          </a:stretch>
+        </p:blipFill>
+        <p:spPr>
+          <a:xfrm>
+            <a:off x="174885" y="0"/>
+            <a:ext cx="11842230" cy="6858220"/>
+          </a:xfrm>
+          <a:prstGeom prst="rect">
+            <a:avLst/>
+          </a:prstGeom>
+        </p:spPr>
+      </p:pic>
+    </p:spTree>
+    <p:extLst>
+      <p:ext uri="{BB962C8B-B14F-4D97-AF65-F5344CB8AC3E}">
+        <p14:creationId xmlns:p14="http://schemas.microsoft.com/office/powerpoint/2010/main" val="1590322579"/>
+      </p:ext>
+    </p:extLst>
+  </p:cSld>
+  <p:clrMapOvr>
+    <a:masterClrMapping/>
+  </p:clrMapOvr>
+</p:sld>
+</file>
+
+<file path=ppt/slides/slide17.xml><?xml version="1.0" encoding="utf-8"?>
+<p:sld xmlns:a="http://schemas.openxmlformats.org/drawingml/2006/main" xmlns:r="http://schemas.openxmlformats.org/officeDocument/2006/relationships" xmlns:p="http://schemas.openxmlformats.org/presentationml/2006/main">
+  <p:cSld>
+    <p:spTree>
+      <p:nvGrpSpPr>
+        <p:cNvPr id="1" name=""/>
+        <p:cNvGrpSpPr/>
+        <p:nvPr/>
+      </p:nvGrpSpPr>
+      <p:grpSpPr>
+        <a:xfrm>
+          <a:off x="0" y="0"/>
+          <a:ext cx="0" cy="0"/>
+          <a:chOff x="0" y="0"/>
+          <a:chExt cx="0" cy="0"/>
+        </a:xfrm>
+      </p:grpSpPr>
+      <p:pic>
+        <p:nvPicPr>
+          <p:cNvPr id="7" name="Picture 6">
+            <a:extLst>
+              <a:ext uri="{FF2B5EF4-FFF2-40B4-BE49-F238E27FC236}">
+                <a16:creationId xmlns:a16="http://schemas.microsoft.com/office/drawing/2014/main" id="{4D268410-EC0A-4AA9-AFD0-C380E390F6F6}"/>
+              </a:ext>
+            </a:extLst>
+          </p:cNvPr>
+          <p:cNvPicPr>
+            <a:picLocks noChangeAspect="1"/>
+          </p:cNvPicPr>
+          <p:nvPr/>
+        </p:nvPicPr>
+        <p:blipFill>
+          <a:blip r:embed="rId2"/>
+          <a:stretch>
+            <a:fillRect/>
+          </a:stretch>
+        </p:blipFill>
+        <p:spPr>
+          <a:xfrm>
+            <a:off x="2228694" y="3876285"/>
+            <a:ext cx="7524750" cy="3152775"/>
+          </a:xfrm>
+          <a:prstGeom prst="rect">
+            <a:avLst/>
+          </a:prstGeom>
+        </p:spPr>
+      </p:pic>
+      <p:pic>
+        <p:nvPicPr>
+          <p:cNvPr id="5" name="Picture 4">
+            <a:extLst>
+              <a:ext uri="{FF2B5EF4-FFF2-40B4-BE49-F238E27FC236}">
+                <a16:creationId xmlns:a16="http://schemas.microsoft.com/office/drawing/2014/main" id="{460F91FD-29A7-4602-B087-D8BC016CD21C}"/>
+              </a:ext>
+            </a:extLst>
+          </p:cNvPr>
+          <p:cNvPicPr>
+            <a:picLocks noChangeAspect="1"/>
+          </p:cNvPicPr>
+          <p:nvPr/>
+        </p:nvPicPr>
+        <p:blipFill>
+          <a:blip r:embed="rId3"/>
+          <a:stretch>
+            <a:fillRect/>
+          </a:stretch>
+        </p:blipFill>
+        <p:spPr>
+          <a:xfrm>
+            <a:off x="2481262" y="0"/>
+            <a:ext cx="7229475" cy="5067300"/>
+          </a:xfrm>
+          <a:prstGeom prst="rect">
+            <a:avLst/>
+          </a:prstGeom>
+        </p:spPr>
+      </p:pic>
+    </p:spTree>
+    <p:extLst>
+      <p:ext uri="{BB962C8B-B14F-4D97-AF65-F5344CB8AC3E}">
+        <p14:creationId xmlns:p14="http://schemas.microsoft.com/office/powerpoint/2010/main" val="4084006883"/>
       </p:ext>
     </p:extLst>
   </p:cSld>
